--- a/Part2-AFL-pattern/AFL详解.pptx
+++ b/Part2-AFL-pattern/AFL详解.pptx
@@ -7,6 +7,19 @@
   <p:sldIdLst>
     <p:sldId id="256" r:id="rId3"/>
     <p:sldId id="258" r:id="rId4"/>
+    <p:sldId id="260" r:id="rId5"/>
+    <p:sldId id="263" r:id="rId6"/>
+    <p:sldId id="261" r:id="rId7"/>
+    <p:sldId id="269" r:id="rId8"/>
+    <p:sldId id="271" r:id="rId9"/>
+    <p:sldId id="272" r:id="rId10"/>
+    <p:sldId id="273" r:id="rId11"/>
+    <p:sldId id="274" r:id="rId12"/>
+    <p:sldId id="275" r:id="rId13"/>
+    <p:sldId id="262" r:id="rId14"/>
+    <p:sldId id="265" r:id="rId15"/>
+    <p:sldId id="266" r:id="rId16"/>
+    <p:sldId id="270" r:id="rId17"/>
   </p:sldIdLst>
   <p:sldSz cx="12192000" cy="6858000"/>
   <p:notesSz cx="7103745" cy="10234295"/>
@@ -7986,6 +7999,1042 @@
 </p:sld>
 </file>
 
+<file path=ppt/slides/slide10.xml><?xml version="1.0" encoding="utf-8"?>
+<p:sld xmlns:a="http://schemas.openxmlformats.org/drawingml/2006/main" xmlns:r="http://schemas.openxmlformats.org/officeDocument/2006/relationships" xmlns:p="http://schemas.openxmlformats.org/presentationml/2006/main">
+  <p:cSld>
+    <p:spTree>
+      <p:nvGrpSpPr>
+        <p:cNvPr id="1" name=""/>
+        <p:cNvGrpSpPr/>
+        <p:nvPr/>
+      </p:nvGrpSpPr>
+      <p:grpSpPr/>
+      <p:sp>
+        <p:nvSpPr>
+          <p:cNvPr id="2" name="标题 1"/>
+          <p:cNvSpPr>
+            <a:spLocks noGrp="1"/>
+          </p:cNvSpPr>
+          <p:nvPr>
+            <p:ph type="title"/>
+          </p:nvPr>
+        </p:nvSpPr>
+        <p:spPr/>
+        <p:txBody>
+          <a:bodyPr>
+            <a:normAutofit fontScale="90000"/>
+          </a:bodyPr>
+          <a:p>
+            <a:r>
+              <a:rPr lang="en-US" altLang="zh-CN"/>
+              <a:t>5</a:t>
+            </a:r>
+            <a:r>
+              <a:t>、havoc —— 大破坏</a:t>
+            </a:r>
+          </a:p>
+        </p:txBody>
+      </p:sp>
+      <p:sp>
+        <p:nvSpPr>
+          <p:cNvPr id="3" name="内容占位符 2"/>
+          <p:cNvSpPr>
+            <a:spLocks noGrp="1"/>
+          </p:cNvSpPr>
+          <p:nvPr>
+            <p:ph idx="1"/>
+          </p:nvPr>
+        </p:nvSpPr>
+        <p:spPr>
+          <a:xfrm>
+            <a:off x="669925" y="952500"/>
+            <a:ext cx="10852150" cy="5783580"/>
+          </a:xfrm>
+        </p:spPr>
+        <p:txBody>
+          <a:bodyPr>
+            <a:noAutofit/>
+          </a:bodyPr>
+          <a:p>
+            <a:pPr marL="0" indent="0">
+              <a:buNone/>
+            </a:pPr>
+            <a:r>
+              <a:rPr lang="zh-CN" altLang="en-US" sz="1200" b="1"/>
+              <a:t>havoc 意味着随机的开始，具体来说 havoc 包含了多轮变异，每一轮都是组合拳：</a:t>
+            </a:r>
+            <a:endParaRPr lang="zh-CN" altLang="en-US" sz="1200"/>
+          </a:p>
+          <a:p>
+            <a:pPr marL="0" indent="0">
+              <a:lnSpc>
+                <a:spcPct val="100000"/>
+              </a:lnSpc>
+              <a:buNone/>
+            </a:pPr>
+            <a:r>
+              <a:rPr lang="zh-CN" altLang="en-US" sz="1200"/>
+              <a:t>随机选取某个bit进行翻转</a:t>
+            </a:r>
+            <a:endParaRPr lang="zh-CN" altLang="en-US" sz="1200"/>
+          </a:p>
+          <a:p>
+            <a:pPr marL="0" indent="0">
+              <a:lnSpc>
+                <a:spcPct val="100000"/>
+              </a:lnSpc>
+              <a:buNone/>
+            </a:pPr>
+            <a:r>
+              <a:rPr lang="zh-CN" altLang="en-US" sz="1200"/>
+              <a:t>随机选取某个byte，将其设置为随机的interesting value</a:t>
+            </a:r>
+            <a:endParaRPr lang="zh-CN" altLang="en-US" sz="1200"/>
+          </a:p>
+          <a:p>
+            <a:pPr marL="0" indent="0">
+              <a:lnSpc>
+                <a:spcPct val="100000"/>
+              </a:lnSpc>
+              <a:buNone/>
+            </a:pPr>
+            <a:r>
+              <a:rPr lang="zh-CN" altLang="en-US" sz="1200"/>
+              <a:t>随机选取某个word，并随机选取大、小端序，将其设置为随机的interesting value</a:t>
+            </a:r>
+            <a:endParaRPr lang="zh-CN" altLang="en-US" sz="1200"/>
+          </a:p>
+          <a:p>
+            <a:pPr marL="0" indent="0">
+              <a:lnSpc>
+                <a:spcPct val="100000"/>
+              </a:lnSpc>
+              <a:buNone/>
+            </a:pPr>
+            <a:r>
+              <a:rPr lang="zh-CN" altLang="en-US" sz="1200"/>
+              <a:t>随机选取某个dword，并随机选取大、小端序，将其设置为随机的interesting value</a:t>
+            </a:r>
+            <a:endParaRPr lang="zh-CN" altLang="en-US" sz="1200"/>
+          </a:p>
+          <a:p>
+            <a:pPr marL="0" indent="0">
+              <a:lnSpc>
+                <a:spcPct val="100000"/>
+              </a:lnSpc>
+              <a:buNone/>
+            </a:pPr>
+            <a:r>
+              <a:rPr lang="zh-CN" altLang="en-US" sz="1200"/>
+              <a:t>随机选取某个byte，对其减去一个随机数</a:t>
+            </a:r>
+            <a:endParaRPr lang="zh-CN" altLang="en-US" sz="1200"/>
+          </a:p>
+          <a:p>
+            <a:pPr marL="0" indent="0">
+              <a:lnSpc>
+                <a:spcPct val="100000"/>
+              </a:lnSpc>
+              <a:buNone/>
+            </a:pPr>
+            <a:r>
+              <a:rPr lang="zh-CN" altLang="en-US" sz="1200"/>
+              <a:t>随机选取某个byte，对其加上一个随机数</a:t>
+            </a:r>
+            <a:endParaRPr lang="zh-CN" altLang="en-US" sz="1200"/>
+          </a:p>
+          <a:p>
+            <a:pPr marL="0" indent="0">
+              <a:lnSpc>
+                <a:spcPct val="100000"/>
+              </a:lnSpc>
+              <a:buNone/>
+            </a:pPr>
+            <a:r>
+              <a:rPr lang="zh-CN" altLang="en-US" sz="1200"/>
+              <a:t>随机选取某个word，并随机选取大、小端序，对其减去一个随机数</a:t>
+            </a:r>
+            <a:endParaRPr lang="zh-CN" altLang="en-US" sz="1200"/>
+          </a:p>
+          <a:p>
+            <a:pPr marL="0" indent="0">
+              <a:lnSpc>
+                <a:spcPct val="100000"/>
+              </a:lnSpc>
+              <a:buNone/>
+            </a:pPr>
+            <a:r>
+              <a:rPr lang="zh-CN" altLang="en-US" sz="1200"/>
+              <a:t>随机选取某个word，并随机选取大、小端序，对其加上一个随机数</a:t>
+            </a:r>
+            <a:endParaRPr lang="zh-CN" altLang="en-US" sz="1200"/>
+          </a:p>
+          <a:p>
+            <a:pPr marL="0" indent="0">
+              <a:lnSpc>
+                <a:spcPct val="100000"/>
+              </a:lnSpc>
+              <a:buNone/>
+            </a:pPr>
+            <a:r>
+              <a:rPr lang="zh-CN" altLang="en-US" sz="1200"/>
+              <a:t>随机选取某个dword，并随机选取大、小端序，对其减去一个随机数</a:t>
+            </a:r>
+            <a:endParaRPr lang="zh-CN" altLang="en-US" sz="1200"/>
+          </a:p>
+          <a:p>
+            <a:pPr marL="0" indent="0">
+              <a:lnSpc>
+                <a:spcPct val="100000"/>
+              </a:lnSpc>
+              <a:buNone/>
+            </a:pPr>
+            <a:r>
+              <a:rPr lang="zh-CN" altLang="en-US" sz="1200"/>
+              <a:t>随机选取某个dword，并随机选取大、小端序，对其加上一个随机数</a:t>
+            </a:r>
+            <a:endParaRPr lang="zh-CN" altLang="en-US" sz="1200"/>
+          </a:p>
+          <a:p>
+            <a:pPr marL="0" indent="0">
+              <a:lnSpc>
+                <a:spcPct val="100000"/>
+              </a:lnSpc>
+              <a:buNone/>
+            </a:pPr>
+            <a:r>
+              <a:rPr lang="zh-CN" altLang="en-US" sz="1200"/>
+              <a:t>随机选取某个byte，将其设置为随机数</a:t>
+            </a:r>
+            <a:endParaRPr lang="zh-CN" altLang="en-US" sz="1200"/>
+          </a:p>
+          <a:p>
+            <a:pPr marL="0" indent="0">
+              <a:lnSpc>
+                <a:spcPct val="100000"/>
+              </a:lnSpc>
+              <a:buNone/>
+            </a:pPr>
+            <a:r>
+              <a:rPr lang="zh-CN" altLang="en-US" sz="1200"/>
+              <a:t>随机删除一段bytes</a:t>
+            </a:r>
+            <a:endParaRPr lang="zh-CN" altLang="en-US" sz="1200"/>
+          </a:p>
+          <a:p>
+            <a:pPr marL="0" indent="0">
+              <a:lnSpc>
+                <a:spcPct val="100000"/>
+              </a:lnSpc>
+              <a:buNone/>
+            </a:pPr>
+            <a:r>
+              <a:rPr lang="zh-CN" altLang="en-US" sz="1200"/>
+              <a:t>随机选取一个位置，插入一段随机长度的内容，其中75%的概率是插入原文中随机位置的内容，25%的概率是插入一段随机选取的数</a:t>
+            </a:r>
+            <a:endParaRPr lang="zh-CN" altLang="en-US" sz="1200"/>
+          </a:p>
+          <a:p>
+            <a:pPr marL="0" indent="0">
+              <a:lnSpc>
+                <a:spcPct val="100000"/>
+              </a:lnSpc>
+              <a:buNone/>
+            </a:pPr>
+            <a:r>
+              <a:rPr lang="zh-CN" altLang="en-US" sz="1200"/>
+              <a:t>随机选取一个位置，替换为一段随机长度的内容，其中75%的概率是替换成原文中随机位置的内容，25%的概率是替换成一段随机选取的数</a:t>
+            </a:r>
+            <a:endParaRPr lang="zh-CN" altLang="en-US" sz="1200"/>
+          </a:p>
+          <a:p>
+            <a:pPr marL="0" indent="0">
+              <a:lnSpc>
+                <a:spcPct val="100000"/>
+              </a:lnSpc>
+              <a:buNone/>
+            </a:pPr>
+            <a:r>
+              <a:rPr lang="zh-CN" altLang="en-US" sz="1200"/>
+              <a:t>随机选取一个位置，用随机选取的token（用户提供的或自动生成的）替换</a:t>
+            </a:r>
+            <a:endParaRPr lang="zh-CN" altLang="en-US" sz="1200"/>
+          </a:p>
+          <a:p>
+            <a:pPr marL="0" indent="0">
+              <a:lnSpc>
+                <a:spcPct val="100000"/>
+              </a:lnSpc>
+              <a:buNone/>
+            </a:pPr>
+            <a:r>
+              <a:rPr lang="zh-CN" altLang="en-US" sz="1200"/>
+              <a:t>随机选取一个位置，用随机选取的token（用户提供的或自动生成的）插入</a:t>
+            </a:r>
+            <a:endParaRPr lang="zh-CN" altLang="en-US" sz="1200"/>
+          </a:p>
+          <a:p>
+            <a:pPr marL="0" indent="0">
+              <a:lnSpc>
+                <a:spcPct val="100000"/>
+              </a:lnSpc>
+              <a:buNone/>
+            </a:pPr>
+            <a:r>
+              <a:rPr lang="zh-CN" altLang="en-US" sz="1200" b="1"/>
+              <a:t>之后AFL会生成一个随机数，作为变异组合的数量，每次从上面随机选取作用于当前文件。</a:t>
+            </a:r>
+            <a:endParaRPr lang="zh-CN" altLang="en-US" sz="1200" b="1"/>
+          </a:p>
+        </p:txBody>
+      </p:sp>
+    </p:spTree>
+    <p:custDataLst>
+      <p:tags r:id="rId1"/>
+    </p:custDataLst>
+  </p:cSld>
+  <p:clrMapOvr>
+    <a:masterClrMapping/>
+  </p:clrMapOvr>
+</p:sld>
+</file>
+
+<file path=ppt/slides/slide11.xml><?xml version="1.0" encoding="utf-8"?>
+<p:sld xmlns:a="http://schemas.openxmlformats.org/drawingml/2006/main" xmlns:r="http://schemas.openxmlformats.org/officeDocument/2006/relationships" xmlns:p="http://schemas.openxmlformats.org/presentationml/2006/main">
+  <p:cSld>
+    <p:spTree>
+      <p:nvGrpSpPr>
+        <p:cNvPr id="1" name=""/>
+        <p:cNvGrpSpPr/>
+        <p:nvPr/>
+      </p:nvGrpSpPr>
+      <p:grpSpPr/>
+      <p:sp>
+        <p:nvSpPr>
+          <p:cNvPr id="2" name="标题 1"/>
+          <p:cNvSpPr>
+            <a:spLocks noGrp="1"/>
+          </p:cNvSpPr>
+          <p:nvPr>
+            <p:ph type="title"/>
+          </p:nvPr>
+        </p:nvSpPr>
+        <p:spPr/>
+        <p:txBody>
+          <a:bodyPr>
+            <a:normAutofit fontScale="90000"/>
+          </a:bodyPr>
+          <a:p>
+            <a:r>
+              <a:rPr lang="en-US" altLang="zh-CN"/>
+              <a:t>6</a:t>
+            </a:r>
+            <a:r>
+              <a:t>、splice —— 拼接</a:t>
+            </a:r>
+          </a:p>
+        </p:txBody>
+      </p:sp>
+      <p:sp>
+        <p:nvSpPr>
+          <p:cNvPr id="3" name="内容占位符 2"/>
+          <p:cNvSpPr>
+            <a:spLocks noGrp="1"/>
+          </p:cNvSpPr>
+          <p:nvPr>
+            <p:ph idx="1"/>
+          </p:nvPr>
+        </p:nvSpPr>
+        <p:spPr>
+          <a:xfrm>
+            <a:off x="669925" y="1501775"/>
+            <a:ext cx="10852150" cy="1511935"/>
+          </a:xfrm>
+        </p:spPr>
+        <p:txBody>
+          <a:bodyPr>
+            <a:noAutofit/>
+          </a:bodyPr>
+          <a:p>
+            <a:pPr marL="0" indent="0">
+              <a:lnSpc>
+                <a:spcPct val="150000"/>
+              </a:lnSpc>
+              <a:buNone/>
+            </a:pPr>
+            <a:r>
+              <a:rPr lang="zh-CN" altLang="en-US" sz="1800"/>
+              <a:t>具体来说，AFL会在文件队列中随机选择一个文件与当前文件进行对比，如果差别不大就重新再选；如果差异明显，就随机选取位置两个文件都一切两半。最后将当前文件的头与随机文件的尾拼接起来得到新文件。当然了本着“减少消耗”的原则拼接后的文件应该与上一个文件对比，如果未发生变化应该过滤掉。</a:t>
+            </a:r>
+            <a:endParaRPr lang="zh-CN" altLang="en-US" sz="1800"/>
+          </a:p>
+        </p:txBody>
+      </p:sp>
+      <p:sp>
+        <p:nvSpPr>
+          <p:cNvPr id="4" name="文本框 3"/>
+          <p:cNvSpPr txBox="1"/>
+          <p:nvPr/>
+        </p:nvSpPr>
+        <p:spPr>
+          <a:xfrm>
+            <a:off x="669290" y="3646805"/>
+            <a:ext cx="10853420" cy="1753235"/>
+          </a:xfrm>
+          <a:prstGeom prst="rect">
+            <a:avLst/>
+          </a:prstGeom>
+          <a:noFill/>
+        </p:spPr>
+        <p:txBody>
+          <a:bodyPr wrap="square" rtlCol="0" anchor="t">
+            <a:spAutoFit/>
+          </a:bodyPr>
+          <a:p>
+            <a:pPr>
+              <a:lnSpc>
+                <a:spcPct val="150000"/>
+              </a:lnSpc>
+            </a:pPr>
+            <a:r>
+              <a:rPr lang="zh-CN" altLang="en-US" b="1"/>
+              <a:t>cycle，循环往复，一波变异结束后的文件，会在队列结束后下一轮中继续变异下去。</a:t>
+            </a:r>
+            <a:endParaRPr lang="zh-CN" altLang="en-US"/>
+          </a:p>
+          <a:p>
+            <a:pPr>
+              <a:lnSpc>
+                <a:spcPct val="150000"/>
+              </a:lnSpc>
+            </a:pPr>
+            <a:r>
+              <a:rPr lang="zh-CN" altLang="en-US"/>
+              <a:t>AFL状态栏右上角的 cycles done 意味着完成的循环数，每次循环是对整个队列的再一次变异，不过只有第一次 cycle 才会进行 deterministic fuzzing，之后的只有随机性变异了。</a:t>
+            </a:r>
+            <a:endParaRPr lang="zh-CN" altLang="en-US"/>
+          </a:p>
+          <a:p>
+            <a:pPr>
+              <a:lnSpc>
+                <a:spcPct val="150000"/>
+              </a:lnSpc>
+            </a:pPr>
+            <a:r>
+              <a:rPr lang="zh-CN" altLang="en-US"/>
+              <a:t>当循环数变为绿色，就意味着后面再</a:t>
+            </a:r>
+            <a:r>
+              <a:rPr lang="en-US" altLang="zh-CN"/>
+              <a:t>fuzz</a:t>
+            </a:r>
+            <a:r>
+              <a:rPr lang="zh-CN" altLang="en-US"/>
+              <a:t>也发现不了新路径了。</a:t>
+            </a:r>
+            <a:endParaRPr lang="zh-CN" altLang="en-US"/>
+          </a:p>
+        </p:txBody>
+      </p:sp>
+    </p:spTree>
+    <p:custDataLst>
+      <p:tags r:id="rId1"/>
+    </p:custDataLst>
+  </p:cSld>
+  <p:clrMapOvr>
+    <a:masterClrMapping/>
+  </p:clrMapOvr>
+</p:sld>
+</file>
+
+<file path=ppt/slides/slide12.xml><?xml version="1.0" encoding="utf-8"?>
+<p:sld xmlns:a="http://schemas.openxmlformats.org/drawingml/2006/main" xmlns:r="http://schemas.openxmlformats.org/officeDocument/2006/relationships" xmlns:p="http://schemas.openxmlformats.org/presentationml/2006/main">
+  <p:cSld>
+    <p:spTree>
+      <p:nvGrpSpPr>
+        <p:cNvPr id="1" name=""/>
+        <p:cNvGrpSpPr/>
+        <p:nvPr/>
+      </p:nvGrpSpPr>
+      <p:grpSpPr/>
+      <p:sp>
+        <p:nvSpPr>
+          <p:cNvPr id="4" name="标题 3"/>
+          <p:cNvSpPr>
+            <a:spLocks noGrp="1"/>
+          </p:cNvSpPr>
+          <p:nvPr>
+            <p:ph type="ctrTitle" idx="14"/>
+          </p:nvPr>
+        </p:nvSpPr>
+        <p:spPr>
+          <a:xfrm>
+            <a:off x="3212149" y="2662626"/>
+            <a:ext cx="5767705" cy="985132"/>
+          </a:xfrm>
+        </p:spPr>
+        <p:txBody>
+          <a:bodyPr>
+            <a:normAutofit fontScale="90000"/>
+          </a:bodyPr>
+          <a:p>
+            <a:r>
+              <a:rPr lang="zh-CN" altLang="en-US"/>
+              <a:t>周边工具介绍及使用</a:t>
+            </a:r>
+            <a:endParaRPr lang="zh-CN" altLang="en-US"/>
+          </a:p>
+        </p:txBody>
+      </p:sp>
+      <p:sp>
+        <p:nvSpPr>
+          <p:cNvPr id="5" name="副标题 4"/>
+          <p:cNvSpPr>
+            <a:spLocks noGrp="1"/>
+          </p:cNvSpPr>
+          <p:nvPr>
+            <p:ph type="subTitle" idx="13"/>
+          </p:nvPr>
+        </p:nvSpPr>
+        <p:spPr>
+          <a:xfrm>
+            <a:off x="3212149" y="3701487"/>
+            <a:ext cx="5767705" cy="575945"/>
+          </a:xfrm>
+        </p:spPr>
+        <p:txBody>
+          <a:bodyPr/>
+          <a:p>
+            <a:r>
+              <a:rPr lang="en-US" altLang="zh-CN"/>
+              <a:t>AFL</a:t>
+            </a:r>
+            <a:endParaRPr lang="en-US" altLang="zh-CN"/>
+          </a:p>
+        </p:txBody>
+      </p:sp>
+    </p:spTree>
+    <p:custDataLst>
+      <p:tags r:id="rId1"/>
+    </p:custDataLst>
+  </p:cSld>
+  <p:clrMapOvr>
+    <a:masterClrMapping/>
+  </p:clrMapOvr>
+</p:sld>
+</file>
+
+<file path=ppt/slides/slide13.xml><?xml version="1.0" encoding="utf-8"?>
+<p:sld xmlns:a="http://schemas.openxmlformats.org/drawingml/2006/main" xmlns:r="http://schemas.openxmlformats.org/officeDocument/2006/relationships" xmlns:p="http://schemas.openxmlformats.org/presentationml/2006/main">
+  <p:cSld>
+    <p:spTree>
+      <p:nvGrpSpPr>
+        <p:cNvPr id="1" name=""/>
+        <p:cNvGrpSpPr/>
+        <p:nvPr/>
+      </p:nvGrpSpPr>
+      <p:grpSpPr/>
+      <p:sp>
+        <p:nvSpPr>
+          <p:cNvPr id="2" name="标题 1"/>
+          <p:cNvSpPr>
+            <a:spLocks noGrp="1"/>
+          </p:cNvSpPr>
+          <p:nvPr>
+            <p:ph type="title"/>
+          </p:nvPr>
+        </p:nvSpPr>
+        <p:spPr/>
+        <p:txBody>
+          <a:bodyPr>
+            <a:normAutofit fontScale="90000"/>
+          </a:bodyPr>
+          <a:p>
+            <a:r>
+              <a:rPr lang="en-US" altLang="zh-CN"/>
+              <a:t>afl-cmin</a:t>
+            </a:r>
+            <a:endParaRPr lang="en-US" altLang="zh-CN"/>
+          </a:p>
+        </p:txBody>
+      </p:sp>
+      <p:sp>
+        <p:nvSpPr>
+          <p:cNvPr id="3" name="内容占位符 2"/>
+          <p:cNvSpPr/>
+          <p:nvPr>
+            <p:ph idx="1"/>
+          </p:nvPr>
+        </p:nvSpPr>
+        <p:spPr>
+          <a:xfrm>
+            <a:off x="669925" y="952500"/>
+            <a:ext cx="10852150" cy="2050415"/>
+          </a:xfrm>
+        </p:spPr>
+        <p:txBody>
+          <a:bodyPr/>
+          <a:p>
+            <a:pPr marL="0" indent="0">
+              <a:buNone/>
+            </a:pPr>
+            <a:r>
+              <a:rPr lang="zh-CN" altLang="en-US"/>
+              <a:t>在docs的README中是这样描述cmin tool的：</a:t>
+            </a:r>
+            <a:endParaRPr lang="zh-CN" altLang="en-US"/>
+          </a:p>
+          <a:p>
+            <a:pPr marL="0" indent="0">
+              <a:buNone/>
+            </a:pPr>
+            <a:r>
+              <a:rPr lang="zh-CN" altLang="en-US"/>
+              <a:t>Before using this corpus for any other purposes, you can shrink it to a smaller size using the afl-cmin tool. The tool will find a smaller subset of files offering equivalent edge coverage.</a:t>
+            </a:r>
+            <a:endParaRPr lang="zh-CN" altLang="en-US"/>
+          </a:p>
+          <a:p>
+            <a:pPr marL="0" indent="0">
+              <a:buNone/>
+            </a:pPr>
+            <a:r>
+              <a:rPr lang="zh-CN" altLang="en-US"/>
+              <a:t>大概意思就是：cmin工具可以减小corpus的大小，这个工具可以得到一个更小的子集（原case集合的子集），这个子集可以提供同样的edge coverage效果。</a:t>
+            </a:r>
+            <a:endParaRPr lang="zh-CN" altLang="en-US"/>
+          </a:p>
+        </p:txBody>
+      </p:sp>
+      <p:pic>
+        <p:nvPicPr>
+          <p:cNvPr id="8" name="图片 7"/>
+          <p:cNvPicPr>
+            <a:picLocks noChangeAspect="1"/>
+          </p:cNvPicPr>
+          <p:nvPr/>
+        </p:nvPicPr>
+        <p:blipFill>
+          <a:blip r:embed="rId1"/>
+          <a:stretch>
+            <a:fillRect/>
+          </a:stretch>
+        </p:blipFill>
+        <p:spPr>
+          <a:xfrm>
+            <a:off x="669925" y="3025140"/>
+            <a:ext cx="5161915" cy="3536950"/>
+          </a:xfrm>
+          <a:prstGeom prst="rect">
+            <a:avLst/>
+          </a:prstGeom>
+        </p:spPr>
+      </p:pic>
+      <p:pic>
+        <p:nvPicPr>
+          <p:cNvPr id="9" name="图片 8"/>
+          <p:cNvPicPr>
+            <a:picLocks noChangeAspect="1"/>
+          </p:cNvPicPr>
+          <p:nvPr/>
+        </p:nvPicPr>
+        <p:blipFill>
+          <a:blip r:embed="rId2"/>
+          <a:stretch>
+            <a:fillRect/>
+          </a:stretch>
+        </p:blipFill>
+        <p:spPr>
+          <a:xfrm>
+            <a:off x="2904490" y="4315460"/>
+            <a:ext cx="8617585" cy="955675"/>
+          </a:xfrm>
+          <a:prstGeom prst="rect">
+            <a:avLst/>
+          </a:prstGeom>
+        </p:spPr>
+      </p:pic>
+    </p:spTree>
+    <p:custDataLst>
+      <p:tags r:id="rId3"/>
+    </p:custDataLst>
+  </p:cSld>
+  <p:clrMapOvr>
+    <a:masterClrMapping/>
+  </p:clrMapOvr>
+</p:sld>
+</file>
+
+<file path=ppt/slides/slide14.xml><?xml version="1.0" encoding="utf-8"?>
+<p:sld xmlns:a="http://schemas.openxmlformats.org/drawingml/2006/main" xmlns:r="http://schemas.openxmlformats.org/officeDocument/2006/relationships" xmlns:p="http://schemas.openxmlformats.org/presentationml/2006/main">
+  <p:cSld>
+    <p:spTree>
+      <p:nvGrpSpPr>
+        <p:cNvPr id="1" name=""/>
+        <p:cNvGrpSpPr/>
+        <p:nvPr/>
+      </p:nvGrpSpPr>
+      <p:grpSpPr/>
+      <p:sp>
+        <p:nvSpPr>
+          <p:cNvPr id="2" name="标题 1"/>
+          <p:cNvSpPr>
+            <a:spLocks noGrp="1"/>
+          </p:cNvSpPr>
+          <p:nvPr>
+            <p:ph type="title"/>
+          </p:nvPr>
+        </p:nvSpPr>
+        <p:spPr/>
+        <p:txBody>
+          <a:bodyPr>
+            <a:normAutofit fontScale="90000"/>
+          </a:bodyPr>
+          <a:p>
+            <a:r>
+              <a:rPr lang="en-US" altLang="zh-CN"/>
+              <a:t>afl-tmin</a:t>
+            </a:r>
+            <a:endParaRPr lang="en-US" altLang="zh-CN"/>
+          </a:p>
+        </p:txBody>
+      </p:sp>
+      <p:sp>
+        <p:nvSpPr>
+          <p:cNvPr id="3" name="内容占位符 2"/>
+          <p:cNvSpPr>
+            <a:spLocks noGrp="1"/>
+          </p:cNvSpPr>
+          <p:nvPr>
+            <p:ph idx="1"/>
+          </p:nvPr>
+        </p:nvSpPr>
+        <p:spPr>
+          <a:xfrm>
+            <a:off x="669925" y="885190"/>
+            <a:ext cx="10852150" cy="3493135"/>
+          </a:xfrm>
+        </p:spPr>
+        <p:txBody>
+          <a:bodyPr/>
+          <a:p>
+            <a:pPr marL="0" indent="0">
+              <a:lnSpc>
+                <a:spcPct val="100000"/>
+              </a:lnSpc>
+              <a:buNone/>
+            </a:pPr>
+            <a:r>
+              <a:rPr lang="zh-CN" altLang="en-US"/>
+              <a:t>官方docs的README对tmin tool的描述如下</a:t>
+            </a:r>
+            <a:endParaRPr lang="zh-CN" altLang="en-US"/>
+          </a:p>
+          <a:p>
+            <a:pPr marL="0" indent="0">
+              <a:lnSpc>
+                <a:spcPct val="100000"/>
+              </a:lnSpc>
+              <a:buNone/>
+            </a:pPr>
+            <a:r>
+              <a:rPr lang="zh-CN" altLang="en-US"/>
+              <a:t>Oh, one more thing: for test case minimization, give afl-tmin a try. The toolcan be operated in a very simple way:</a:t>
+            </a:r>
+            <a:endParaRPr lang="zh-CN" altLang="en-US"/>
+          </a:p>
+          <a:p>
+            <a:pPr marL="0" indent="0">
+              <a:lnSpc>
+                <a:spcPct val="100000"/>
+              </a:lnSpc>
+              <a:buNone/>
+            </a:pPr>
+            <a:r>
+              <a:rPr lang="zh-CN" altLang="en-US"/>
+              <a:t>$ ./afl-tmin -i test_case -o minimized_result -- /path/to/program [...]</a:t>
+            </a:r>
+            <a:endParaRPr lang="zh-CN" altLang="en-US"/>
+          </a:p>
+          <a:p>
+            <a:pPr marL="0" indent="0">
+              <a:lnSpc>
+                <a:spcPct val="100000"/>
+              </a:lnSpc>
+              <a:buNone/>
+            </a:pPr>
+            <a:r>
+              <a:rPr lang="zh-CN" altLang="en-US"/>
+              <a:t>The tool works with crashing and non-crashing test cases alike. In the crash mode, it will happily accept instrumented and non-instrumented binaries. In the non-crashing mode, the minimizer relies on standard AFL instrumentation to make the file simpler without altering the execution path.</a:t>
+            </a:r>
+            <a:endParaRPr lang="zh-CN" altLang="en-US"/>
+          </a:p>
+          <a:p>
+            <a:pPr marL="0" indent="0">
+              <a:lnSpc>
+                <a:spcPct val="100000"/>
+              </a:lnSpc>
+              <a:buNone/>
+            </a:pPr>
+            <a:r>
+              <a:rPr lang="zh-CN" altLang="en-US"/>
+              <a:t>按照描述，大概意思是：工具是为了创造一个更小的文件，同时又能达到同样的效果。当然操作也会比cmin简单。</a:t>
+            </a:r>
+            <a:endParaRPr lang="zh-CN" altLang="en-US"/>
+          </a:p>
+        </p:txBody>
+      </p:sp>
+      <p:pic>
+        <p:nvPicPr>
+          <p:cNvPr id="4" name="图片 3"/>
+          <p:cNvPicPr>
+            <a:picLocks noChangeAspect="1"/>
+          </p:cNvPicPr>
+          <p:nvPr/>
+        </p:nvPicPr>
+        <p:blipFill>
+          <a:blip r:embed="rId1"/>
+          <a:stretch>
+            <a:fillRect/>
+          </a:stretch>
+        </p:blipFill>
+        <p:spPr>
+          <a:xfrm>
+            <a:off x="2062480" y="3611880"/>
+            <a:ext cx="8067675" cy="952500"/>
+          </a:xfrm>
+          <a:prstGeom prst="rect">
+            <a:avLst/>
+          </a:prstGeom>
+        </p:spPr>
+      </p:pic>
+      <p:pic>
+        <p:nvPicPr>
+          <p:cNvPr id="5" name="图片 4"/>
+          <p:cNvPicPr>
+            <a:picLocks noChangeAspect="1"/>
+          </p:cNvPicPr>
+          <p:nvPr/>
+        </p:nvPicPr>
+        <p:blipFill>
+          <a:blip r:embed="rId2"/>
+          <a:stretch>
+            <a:fillRect/>
+          </a:stretch>
+        </p:blipFill>
+        <p:spPr>
+          <a:xfrm>
+            <a:off x="1226820" y="4663440"/>
+            <a:ext cx="9738995" cy="2112010"/>
+          </a:xfrm>
+          <a:prstGeom prst="rect">
+            <a:avLst/>
+          </a:prstGeom>
+        </p:spPr>
+      </p:pic>
+    </p:spTree>
+    <p:custDataLst>
+      <p:tags r:id="rId3"/>
+    </p:custDataLst>
+  </p:cSld>
+  <p:clrMapOvr>
+    <a:masterClrMapping/>
+  </p:clrMapOvr>
+</p:sld>
+</file>
+
+<file path=ppt/slides/slide15.xml><?xml version="1.0" encoding="utf-8"?>
+<p:sld xmlns:a="http://schemas.openxmlformats.org/drawingml/2006/main" xmlns:r="http://schemas.openxmlformats.org/officeDocument/2006/relationships" xmlns:p="http://schemas.openxmlformats.org/presentationml/2006/main">
+  <p:cSld>
+    <p:spTree>
+      <p:nvGrpSpPr>
+        <p:cNvPr id="1" name=""/>
+        <p:cNvGrpSpPr/>
+        <p:nvPr/>
+      </p:nvGrpSpPr>
+      <p:grpSpPr/>
+      <p:sp>
+        <p:nvSpPr>
+          <p:cNvPr id="2" name="标题 1"/>
+          <p:cNvSpPr>
+            <a:spLocks noGrp="1"/>
+          </p:cNvSpPr>
+          <p:nvPr>
+            <p:ph type="title"/>
+          </p:nvPr>
+        </p:nvSpPr>
+        <p:spPr>
+          <a:xfrm>
+            <a:off x="669882" y="838204"/>
+            <a:ext cx="10852237" cy="441964"/>
+          </a:xfrm>
+        </p:spPr>
+        <p:txBody>
+          <a:bodyPr>
+            <a:noAutofit/>
+          </a:bodyPr>
+          <a:p>
+            <a:r>
+              <a:rPr lang="zh-CN" altLang="en-US" sz="3600"/>
+              <a:t>作业——</a:t>
+            </a:r>
+            <a:r>
+              <a:rPr lang="en-US" altLang="zh-CN" sz="3600"/>
+              <a:t>afl-cmin</a:t>
+            </a:r>
+            <a:r>
+              <a:rPr sz="3600"/>
+              <a:t>、</a:t>
+            </a:r>
+            <a:r>
+              <a:rPr lang="en-US" altLang="zh-CN" sz="3600"/>
+              <a:t>afl-tmin</a:t>
+            </a:r>
+            <a:r>
+              <a:rPr sz="3600"/>
+              <a:t>改进</a:t>
+            </a:r>
+            <a:endParaRPr sz="3600"/>
+          </a:p>
+        </p:txBody>
+      </p:sp>
+      <p:sp>
+        <p:nvSpPr>
+          <p:cNvPr id="4" name="文本框 3"/>
+          <p:cNvSpPr txBox="1"/>
+          <p:nvPr/>
+        </p:nvSpPr>
+        <p:spPr>
+          <a:xfrm>
+            <a:off x="669925" y="2136775"/>
+            <a:ext cx="10272395" cy="2584450"/>
+          </a:xfrm>
+          <a:prstGeom prst="rect">
+            <a:avLst/>
+          </a:prstGeom>
+          <a:noFill/>
+        </p:spPr>
+        <p:txBody>
+          <a:bodyPr wrap="square" rtlCol="0" anchor="t">
+            <a:spAutoFit/>
+          </a:bodyPr>
+          <a:p>
+            <a:r>
+              <a:rPr lang="zh-CN" altLang="en-US"/>
+              <a:t>目标（二选一）：</a:t>
+            </a:r>
+            <a:endParaRPr lang="zh-CN" altLang="en-US"/>
+          </a:p>
+          <a:p>
+            <a:r>
+              <a:rPr lang="en-US" altLang="zh-CN"/>
+              <a:t>1</a:t>
+            </a:r>
+            <a:r>
+              <a:rPr lang="zh-CN" altLang="en-US"/>
+              <a:t>、改进 </a:t>
+            </a:r>
+            <a:r>
+              <a:rPr lang="en-US" altLang="zh-CN"/>
+              <a:t>afl-cmin</a:t>
+            </a:r>
+            <a:r>
+              <a:rPr lang="zh-CN" altLang="en-US"/>
+              <a:t>，实现输出 -o 文件夹不为空的时候，不是直接退出，要求重新输入指令，而是可以把文件夹另存，程序继续进行；【</a:t>
+            </a:r>
+            <a:r>
+              <a:rPr lang="en-US" altLang="zh-CN"/>
+              <a:t>shell</a:t>
+            </a:r>
+            <a:r>
+              <a:rPr lang="zh-CN" altLang="en-US"/>
+              <a:t>】</a:t>
+            </a:r>
+            <a:endParaRPr lang="zh-CN" altLang="en-US"/>
+          </a:p>
+          <a:p>
+            <a:r>
+              <a:rPr lang="en-US" altLang="zh-CN"/>
+              <a:t>2</a:t>
+            </a:r>
+            <a:r>
+              <a:rPr lang="zh-CN" altLang="en-US"/>
+              <a:t>、改进 </a:t>
+            </a:r>
+            <a:r>
+              <a:rPr lang="en-US" altLang="zh-CN"/>
+              <a:t>afl-tmin</a:t>
+            </a:r>
+            <a:r>
+              <a:rPr lang="zh-CN" altLang="en-US"/>
+              <a:t>，通过修改tmin源代码的方式，实现添加新命令参数就可以对文件夹进行操作；【</a:t>
+            </a:r>
+            <a:r>
+              <a:rPr lang="en-US" altLang="zh-CN"/>
+              <a:t>c</a:t>
+            </a:r>
+            <a:r>
+              <a:rPr lang="zh-CN" altLang="en-US"/>
+              <a:t>】</a:t>
+            </a:r>
+            <a:endParaRPr lang="zh-CN" altLang="en-US"/>
+          </a:p>
+          <a:p>
+            <a:endParaRPr lang="zh-CN" altLang="en-US"/>
+          </a:p>
+          <a:p>
+            <a:r>
+              <a:rPr lang="zh-CN" altLang="en-US"/>
+              <a:t>参考资料：</a:t>
+            </a:r>
+            <a:endParaRPr lang="zh-CN" altLang="en-US"/>
+          </a:p>
+          <a:p>
+            <a:r>
+              <a:rPr lang="en-US" altLang="zh-CN"/>
+              <a:t>1</a:t>
+            </a:r>
+            <a:r>
+              <a:rPr lang="zh-CN" altLang="en-US"/>
+              <a:t>、https://www.cnblogs.com/wayne-tao/p/11889718.html</a:t>
+            </a:r>
+            <a:endParaRPr lang="zh-CN" altLang="en-US"/>
+          </a:p>
+          <a:p>
+            <a:r>
+              <a:rPr lang="en-US" altLang="zh-CN"/>
+              <a:t>2</a:t>
+            </a:r>
+            <a:r>
+              <a:rPr lang="zh-CN" altLang="en-US"/>
+              <a:t>、https://www.cnblogs.com/wayne-tao/p/11971922.html</a:t>
+            </a:r>
+            <a:endParaRPr lang="zh-CN" altLang="en-US"/>
+          </a:p>
+          <a:p>
+            <a:r>
+              <a:rPr lang="en-US" altLang="zh-CN"/>
+              <a:t>3</a:t>
+            </a:r>
+            <a:r>
+              <a:rPr lang="zh-CN" altLang="en-US"/>
+              <a:t>、https://www.cnblogs.com/wayne-tao/p/11964565.html</a:t>
+            </a:r>
+            <a:endParaRPr lang="zh-CN" altLang="en-US"/>
+          </a:p>
+        </p:txBody>
+      </p:sp>
+    </p:spTree>
+    <p:custDataLst>
+      <p:tags r:id="rId1"/>
+    </p:custDataLst>
+  </p:cSld>
+  <p:clrMapOvr>
+    <a:masterClrMapping/>
+  </p:clrMapOvr>
+</p:sld>
+</file>
+
 <file path=ppt/slides/slide2.xml><?xml version="1.0" encoding="utf-8"?>
 <p:sld xmlns:a="http://schemas.openxmlformats.org/drawingml/2006/main" xmlns:r="http://schemas.openxmlformats.org/officeDocument/2006/relationships" xmlns:p="http://schemas.openxmlformats.org/presentationml/2006/main">
   <p:cSld>
@@ -8033,7 +9082,7 @@
         <p:spPr>
           <a:xfrm>
             <a:off x="669925" y="1661160"/>
-            <a:ext cx="10852150" cy="4215130"/>
+            <a:ext cx="10852150" cy="2409825"/>
           </a:xfrm>
         </p:spPr>
         <p:txBody>
@@ -8070,6 +9119,44 @@
               <a:t>周边工具介绍及使用</a:t>
             </a:r>
             <a:endParaRPr sz="2800"/>
+          </a:p>
+        </p:txBody>
+      </p:sp>
+      <p:sp>
+        <p:nvSpPr>
+          <p:cNvPr id="4" name="文本框 3"/>
+          <p:cNvSpPr txBox="1"/>
+          <p:nvPr/>
+        </p:nvSpPr>
+        <p:spPr>
+          <a:xfrm>
+            <a:off x="2366010" y="4846320"/>
+            <a:ext cx="7459980" cy="368300"/>
+          </a:xfrm>
+          <a:prstGeom prst="rect">
+            <a:avLst/>
+          </a:prstGeom>
+          <a:noFill/>
+        </p:spPr>
+        <p:txBody>
+          <a:bodyPr wrap="none" rtlCol="0">
+            <a:spAutoFit/>
+          </a:bodyPr>
+          <a:p>
+            <a:pPr algn="ctr"/>
+            <a:r>
+              <a:rPr lang="zh-CN" altLang="en-US"/>
+              <a:t>本节课目标：深入了解</a:t>
+            </a:r>
+            <a:r>
+              <a:rPr lang="en-US" altLang="zh-CN"/>
+              <a:t>AFL</a:t>
+            </a:r>
+            <a:r>
+              <a:rPr lang="zh-CN" altLang="en-US"/>
+              <a:t>中的种子变异过程，并了解其相关常用工具。</a:t>
+            </a:r>
+            <a:endParaRPr lang="zh-CN" altLang="en-US"/>
           </a:p>
         </p:txBody>
       </p:sp>
@@ -8084,6 +9171,883 @@
 </p:sld>
 </file>
 
+<file path=ppt/slides/slide3.xml><?xml version="1.0" encoding="utf-8"?>
+<p:sld xmlns:a="http://schemas.openxmlformats.org/drawingml/2006/main" xmlns:r="http://schemas.openxmlformats.org/officeDocument/2006/relationships" xmlns:p="http://schemas.openxmlformats.org/presentationml/2006/main">
+  <p:cSld>
+    <p:spTree>
+      <p:nvGrpSpPr>
+        <p:cNvPr id="1" name=""/>
+        <p:cNvGrpSpPr/>
+        <p:nvPr/>
+      </p:nvGrpSpPr>
+      <p:grpSpPr/>
+      <p:sp>
+        <p:nvSpPr>
+          <p:cNvPr id="4" name="标题 3"/>
+          <p:cNvSpPr>
+            <a:spLocks noGrp="1"/>
+          </p:cNvSpPr>
+          <p:nvPr>
+            <p:ph type="ctrTitle" idx="14"/>
+          </p:nvPr>
+        </p:nvSpPr>
+        <p:spPr>
+          <a:xfrm>
+            <a:off x="3212149" y="2662626"/>
+            <a:ext cx="5767705" cy="985132"/>
+          </a:xfrm>
+        </p:spPr>
+        <p:txBody>
+          <a:bodyPr/>
+          <a:p>
+            <a:r>
+              <a:rPr lang="en-US" altLang="zh-CN"/>
+              <a:t>AFL </a:t>
+            </a:r>
+            <a:r>
+              <a:rPr lang="zh-CN" altLang="en-US"/>
+              <a:t>源码模块</a:t>
+            </a:r>
+            <a:endParaRPr lang="zh-CN" altLang="en-US"/>
+          </a:p>
+        </p:txBody>
+      </p:sp>
+      <p:sp>
+        <p:nvSpPr>
+          <p:cNvPr id="5" name="副标题 4"/>
+          <p:cNvSpPr>
+            <a:spLocks noGrp="1"/>
+          </p:cNvSpPr>
+          <p:nvPr>
+            <p:ph type="subTitle" idx="13"/>
+          </p:nvPr>
+        </p:nvSpPr>
+        <p:spPr>
+          <a:xfrm>
+            <a:off x="3212149" y="3701487"/>
+            <a:ext cx="5767705" cy="575945"/>
+          </a:xfrm>
+        </p:spPr>
+        <p:txBody>
+          <a:bodyPr/>
+          <a:p>
+            <a:r>
+              <a:rPr lang="en-US" altLang="zh-CN"/>
+              <a:t>Fuzzing</a:t>
+            </a:r>
+            <a:endParaRPr lang="en-US" altLang="zh-CN"/>
+          </a:p>
+        </p:txBody>
+      </p:sp>
+    </p:spTree>
+    <p:custDataLst>
+      <p:tags r:id="rId1"/>
+    </p:custDataLst>
+  </p:cSld>
+  <p:clrMapOvr>
+    <a:masterClrMapping/>
+  </p:clrMapOvr>
+</p:sld>
+</file>
+
+<file path=ppt/slides/slide4.xml><?xml version="1.0" encoding="utf-8"?>
+<p:sld xmlns:a="http://schemas.openxmlformats.org/drawingml/2006/main" xmlns:r="http://schemas.openxmlformats.org/officeDocument/2006/relationships" xmlns:p="http://schemas.openxmlformats.org/presentationml/2006/main">
+  <p:cSld>
+    <p:spTree>
+      <p:nvGrpSpPr>
+        <p:cNvPr id="1" name=""/>
+        <p:cNvGrpSpPr/>
+        <p:nvPr/>
+      </p:nvGrpSpPr>
+      <p:grpSpPr/>
+      <p:pic>
+        <p:nvPicPr>
+          <p:cNvPr id="4" name="内容占位符 3"/>
+          <p:cNvPicPr>
+            <a:picLocks noChangeAspect="1"/>
+          </p:cNvPicPr>
+          <p:nvPr>
+            <p:ph idx="1"/>
+          </p:nvPr>
+        </p:nvPicPr>
+        <p:blipFill>
+          <a:blip r:embed="rId1"/>
+          <a:stretch>
+            <a:fillRect/>
+          </a:stretch>
+        </p:blipFill>
+        <p:spPr>
+          <a:xfrm>
+            <a:off x="669925" y="367030"/>
+            <a:ext cx="10852150" cy="4045585"/>
+          </a:xfrm>
+          <a:prstGeom prst="rect">
+            <a:avLst/>
+          </a:prstGeom>
+        </p:spPr>
+      </p:pic>
+      <p:sp>
+        <p:nvSpPr>
+          <p:cNvPr id="2" name="标题 1"/>
+          <p:cNvSpPr>
+            <a:spLocks noGrp="1"/>
+          </p:cNvSpPr>
+          <p:nvPr>
+            <p:ph type="title"/>
+          </p:nvPr>
+        </p:nvSpPr>
+        <p:spPr/>
+        <p:txBody>
+          <a:bodyPr>
+            <a:normAutofit fontScale="90000"/>
+          </a:bodyPr>
+          <a:p>
+            <a:r>
+              <a:rPr lang="en-US" altLang="zh-CN"/>
+              <a:t>AFL</a:t>
+            </a:r>
+            <a:r>
+              <a:t>源码</a:t>
+            </a:r>
+          </a:p>
+        </p:txBody>
+      </p:sp>
+      <p:sp>
+        <p:nvSpPr>
+          <p:cNvPr id="3" name="文本框 2"/>
+          <p:cNvSpPr txBox="1"/>
+          <p:nvPr/>
+        </p:nvSpPr>
+        <p:spPr>
+          <a:xfrm>
+            <a:off x="960120" y="4412615"/>
+            <a:ext cx="5889625" cy="1198880"/>
+          </a:xfrm>
+          <a:prstGeom prst="rect">
+            <a:avLst/>
+          </a:prstGeom>
+          <a:noFill/>
+        </p:spPr>
+        <p:txBody>
+          <a:bodyPr wrap="square" rtlCol="0" anchor="t">
+            <a:spAutoFit/>
+          </a:bodyPr>
+          <a:p>
+            <a:r>
+              <a:rPr lang="en-US" altLang="zh-CN" sz="2400"/>
+              <a:t>AFL</a:t>
+            </a:r>
+            <a:r>
+              <a:rPr lang="zh-CN" altLang="en-US" sz="2400"/>
+              <a:t>源码阅读心得：</a:t>
+            </a:r>
+            <a:endParaRPr lang="zh-CN" altLang="en-US" sz="2400"/>
+          </a:p>
+          <a:p>
+            <a:r>
+              <a:rPr lang="zh-CN" altLang="en-US" sz="2400"/>
+              <a:t>https://bbs.pediy.com/thread-257399.htm</a:t>
+            </a:r>
+            <a:endParaRPr lang="zh-CN" altLang="en-US" sz="2400"/>
+          </a:p>
+          <a:p>
+            <a:r>
+              <a:rPr lang="zh-CN" altLang="en-US" sz="2400"/>
+              <a:t>https://bbs.pediy.com/thread-259982.htm</a:t>
+            </a:r>
+            <a:endParaRPr lang="zh-CN" altLang="en-US" sz="2400"/>
+          </a:p>
+        </p:txBody>
+      </p:sp>
+    </p:spTree>
+    <p:custDataLst>
+      <p:tags r:id="rId2"/>
+    </p:custDataLst>
+  </p:cSld>
+  <p:clrMapOvr>
+    <a:masterClrMapping/>
+  </p:clrMapOvr>
+</p:sld>
+</file>
+
+<file path=ppt/slides/slide5.xml><?xml version="1.0" encoding="utf-8"?>
+<p:sld xmlns:a="http://schemas.openxmlformats.org/drawingml/2006/main" xmlns:r="http://schemas.openxmlformats.org/officeDocument/2006/relationships" xmlns:p="http://schemas.openxmlformats.org/presentationml/2006/main">
+  <p:cSld>
+    <p:spTree>
+      <p:nvGrpSpPr>
+        <p:cNvPr id="1" name=""/>
+        <p:cNvGrpSpPr/>
+        <p:nvPr/>
+      </p:nvGrpSpPr>
+      <p:grpSpPr/>
+      <p:sp>
+        <p:nvSpPr>
+          <p:cNvPr id="4" name="标题 3"/>
+          <p:cNvSpPr>
+            <a:spLocks noGrp="1"/>
+          </p:cNvSpPr>
+          <p:nvPr>
+            <p:ph type="ctrTitle" idx="14"/>
+          </p:nvPr>
+        </p:nvSpPr>
+        <p:spPr>
+          <a:xfrm>
+            <a:off x="3212149" y="2662626"/>
+            <a:ext cx="5767705" cy="985132"/>
+          </a:xfrm>
+        </p:spPr>
+        <p:txBody>
+          <a:bodyPr>
+            <a:normAutofit/>
+          </a:bodyPr>
+          <a:p>
+            <a:r>
+              <a:rPr lang="en-US" altLang="zh-CN"/>
+              <a:t>AFL </a:t>
+            </a:r>
+            <a:r>
+              <a:rPr lang="zh-CN" altLang="en-US"/>
+              <a:t>种子变异过程</a:t>
+            </a:r>
+            <a:endParaRPr lang="zh-CN" altLang="en-US"/>
+          </a:p>
+        </p:txBody>
+      </p:sp>
+      <p:sp>
+        <p:nvSpPr>
+          <p:cNvPr id="5" name="副标题 4"/>
+          <p:cNvSpPr>
+            <a:spLocks noGrp="1"/>
+          </p:cNvSpPr>
+          <p:nvPr>
+            <p:ph type="subTitle" idx="13"/>
+          </p:nvPr>
+        </p:nvSpPr>
+        <p:spPr>
+          <a:xfrm>
+            <a:off x="3212149" y="3701487"/>
+            <a:ext cx="5767705" cy="575945"/>
+          </a:xfrm>
+        </p:spPr>
+        <p:txBody>
+          <a:bodyPr/>
+          <a:p>
+            <a:endParaRPr lang="zh-CN" altLang="en-US"/>
+          </a:p>
+        </p:txBody>
+      </p:sp>
+    </p:spTree>
+    <p:custDataLst>
+      <p:tags r:id="rId1"/>
+    </p:custDataLst>
+  </p:cSld>
+  <p:clrMapOvr>
+    <a:masterClrMapping/>
+  </p:clrMapOvr>
+</p:sld>
+</file>
+
+<file path=ppt/slides/slide6.xml><?xml version="1.0" encoding="utf-8"?>
+<p:sld xmlns:a="http://schemas.openxmlformats.org/drawingml/2006/main" xmlns:r="http://schemas.openxmlformats.org/officeDocument/2006/relationships" xmlns:p="http://schemas.openxmlformats.org/presentationml/2006/main">
+  <p:cSld>
+    <p:spTree>
+      <p:nvGrpSpPr>
+        <p:cNvPr id="1" name=""/>
+        <p:cNvGrpSpPr/>
+        <p:nvPr/>
+      </p:nvGrpSpPr>
+      <p:grpSpPr/>
+      <p:sp>
+        <p:nvSpPr>
+          <p:cNvPr id="2" name="标题 1"/>
+          <p:cNvSpPr>
+            <a:spLocks noGrp="1"/>
+          </p:cNvSpPr>
+          <p:nvPr>
+            <p:ph type="title"/>
+          </p:nvPr>
+        </p:nvSpPr>
+        <p:spPr/>
+        <p:txBody>
+          <a:bodyPr>
+            <a:normAutofit fontScale="90000"/>
+          </a:bodyPr>
+          <a:p>
+            <a:r>
+              <a:rPr lang="en-US" altLang="zh-CN"/>
+              <a:t>1</a:t>
+            </a:r>
+            <a:r>
+              <a:t>、</a:t>
+            </a:r>
+            <a:r>
+              <a:rPr lang="en-US" altLang="zh-CN"/>
+              <a:t>bitflip </a:t>
+            </a:r>
+            <a:r>
+              <a:t>—— 按位反转</a:t>
+            </a:r>
+          </a:p>
+        </p:txBody>
+      </p:sp>
+      <p:sp>
+        <p:nvSpPr>
+          <p:cNvPr id="3" name="内容占位符 2"/>
+          <p:cNvSpPr/>
+          <p:nvPr>
+            <p:ph idx="1"/>
+          </p:nvPr>
+        </p:nvSpPr>
+        <p:spPr>
+          <a:xfrm>
+            <a:off x="669925" y="1567180"/>
+            <a:ext cx="10852150" cy="3060065"/>
+          </a:xfrm>
+        </p:spPr>
+        <p:txBody>
+          <a:bodyPr/>
+          <a:p>
+            <a:r>
+              <a:rPr lang="zh-CN" altLang="en-US"/>
+              <a:t>STAGE_FLIP1 每次翻转一位(1 bit)，按一位步长从头开始。</a:t>
+            </a:r>
+            <a:endParaRPr lang="zh-CN" altLang="en-US"/>
+          </a:p>
+          <a:p>
+            <a:r>
+              <a:rPr lang="zh-CN" altLang="en-US"/>
+              <a:t>STAGE_FLIP2 每次翻转相邻两位(2 bit)，按一位步长从头开始。</a:t>
+            </a:r>
+            <a:endParaRPr lang="zh-CN" altLang="en-US"/>
+          </a:p>
+          <a:p>
+            <a:r>
+              <a:rPr lang="zh-CN" altLang="en-US"/>
+              <a:t>STAGE_FLIP4 每次翻转相邻四位(4 bit)，按一位步长从头开始。</a:t>
+            </a:r>
+            <a:endParaRPr lang="zh-CN" altLang="en-US"/>
+          </a:p>
+          <a:p>
+            <a:r>
+              <a:rPr lang="zh-CN" altLang="en-US"/>
+              <a:t>STAGE_FLIP8 每次翻转相邻八位(8 bit)，按八位步长从头开始，也就是说，每次对一个byte做翻转变化。</a:t>
+            </a:r>
+            <a:endParaRPr lang="zh-CN" altLang="en-US"/>
+          </a:p>
+          <a:p>
+            <a:r>
+              <a:rPr lang="zh-CN" altLang="en-US"/>
+              <a:t>STAGE_FLIP16每次翻转相邻十六位(16 bit)，按八位步长从头开始，每次对一个word做翻转变化。</a:t>
+            </a:r>
+            <a:endParaRPr lang="zh-CN" altLang="en-US"/>
+          </a:p>
+          <a:p>
+            <a:r>
+              <a:rPr lang="zh-CN" altLang="en-US"/>
+              <a:t>STAGE_FLIP32每次翻转相邻三十二位(32 bit)，按八位步长从头开始，每次对一个dword做翻转变化。</a:t>
+            </a:r>
+            <a:endParaRPr lang="zh-CN" altLang="en-US"/>
+          </a:p>
+        </p:txBody>
+      </p:sp>
+    </p:spTree>
+    <p:custDataLst>
+      <p:tags r:id="rId1"/>
+    </p:custDataLst>
+  </p:cSld>
+  <p:clrMapOvr>
+    <a:masterClrMapping/>
+  </p:clrMapOvr>
+</p:sld>
+</file>
+
+<file path=ppt/slides/slide7.xml><?xml version="1.0" encoding="utf-8"?>
+<p:sld xmlns:a="http://schemas.openxmlformats.org/drawingml/2006/main" xmlns:r="http://schemas.openxmlformats.org/officeDocument/2006/relationships" xmlns:p="http://schemas.openxmlformats.org/presentationml/2006/main">
+  <p:cSld>
+    <p:spTree>
+      <p:nvGrpSpPr>
+        <p:cNvPr id="1" name=""/>
+        <p:cNvGrpSpPr/>
+        <p:nvPr/>
+      </p:nvGrpSpPr>
+      <p:grpSpPr/>
+      <p:sp>
+        <p:nvSpPr>
+          <p:cNvPr id="2" name="标题 1"/>
+          <p:cNvSpPr>
+            <a:spLocks noGrp="1"/>
+          </p:cNvSpPr>
+          <p:nvPr>
+            <p:ph type="title"/>
+          </p:nvPr>
+        </p:nvSpPr>
+        <p:spPr/>
+        <p:txBody>
+          <a:bodyPr>
+            <a:normAutofit fontScale="90000"/>
+          </a:bodyPr>
+          <a:p>
+            <a:r>
+              <a:rPr lang="en-US" altLang="zh-CN"/>
+              <a:t>2</a:t>
+            </a:r>
+            <a:r>
+              <a:t>、arithmetic —— 算术</a:t>
+            </a:r>
+          </a:p>
+        </p:txBody>
+      </p:sp>
+      <p:sp>
+        <p:nvSpPr>
+          <p:cNvPr id="3" name="内容占位符 2"/>
+          <p:cNvSpPr>
+            <a:spLocks noGrp="1"/>
+          </p:cNvSpPr>
+          <p:nvPr>
+            <p:ph idx="1"/>
+          </p:nvPr>
+        </p:nvSpPr>
+        <p:spPr>
+          <a:xfrm>
+            <a:off x="669925" y="952500"/>
+            <a:ext cx="10852150" cy="1654810"/>
+          </a:xfrm>
+        </p:spPr>
+        <p:txBody>
+          <a:bodyPr/>
+          <a:p>
+            <a:r>
+              <a:rPr lang="zh-CN" altLang="en-US"/>
+              <a:t>arith 8/8，每次8bit进行加减运算，8bit步长从头开始，即对每个byte进行整数加减变异；</a:t>
+            </a:r>
+            <a:endParaRPr lang="zh-CN" altLang="en-US"/>
+          </a:p>
+          <a:p>
+            <a:r>
+              <a:rPr lang="zh-CN" altLang="en-US"/>
+              <a:t>arith 16/8，每次16bit进行加减运算，8bit步长从头开始，即对每个word进行整数加减变异；</a:t>
+            </a:r>
+            <a:endParaRPr lang="zh-CN" altLang="en-US"/>
+          </a:p>
+          <a:p>
+            <a:r>
+              <a:rPr lang="zh-CN" altLang="en-US"/>
+              <a:t>arith 32/8，每次32bit进行加减运算，8bit步长从头开始，即对每个dword进行整数加减变异；</a:t>
+            </a:r>
+            <a:endParaRPr lang="zh-CN" altLang="en-US"/>
+          </a:p>
+        </p:txBody>
+      </p:sp>
+      <p:sp>
+        <p:nvSpPr>
+          <p:cNvPr id="4" name="文本框 3"/>
+          <p:cNvSpPr txBox="1"/>
+          <p:nvPr/>
+        </p:nvSpPr>
+        <p:spPr>
+          <a:xfrm>
+            <a:off x="669925" y="2529205"/>
+            <a:ext cx="10852150" cy="645160"/>
+          </a:xfrm>
+          <a:prstGeom prst="rect">
+            <a:avLst/>
+          </a:prstGeom>
+          <a:noFill/>
+        </p:spPr>
+        <p:txBody>
+          <a:bodyPr wrap="square" rtlCol="0" anchor="t">
+            <a:spAutoFit/>
+          </a:bodyPr>
+          <a:p>
+            <a:r>
+              <a:rPr lang="zh-CN" altLang="en-US" b="1"/>
+              <a:t>在这里对整数目标进行+1，+2，+3...+35，-1，-2，-3...-35的变异，其中对于加减变异的上限，在 config.h 中有所定义：</a:t>
+            </a:r>
+            <a:endParaRPr lang="zh-CN" altLang="en-US" b="1"/>
+          </a:p>
+        </p:txBody>
+      </p:sp>
+      <p:sp>
+        <p:nvSpPr>
+          <p:cNvPr id="5" name="文本框 4"/>
+          <p:cNvSpPr txBox="1"/>
+          <p:nvPr/>
+        </p:nvSpPr>
+        <p:spPr>
+          <a:xfrm>
+            <a:off x="669925" y="5067300"/>
+            <a:ext cx="10852150" cy="645160"/>
+          </a:xfrm>
+          <a:prstGeom prst="rect">
+            <a:avLst/>
+          </a:prstGeom>
+          <a:noFill/>
+        </p:spPr>
+        <p:txBody>
+          <a:bodyPr wrap="square" rtlCol="0" anchor="t">
+            <a:spAutoFit/>
+          </a:bodyPr>
+          <a:p>
+            <a:r>
+              <a:rPr lang="zh-CN" altLang="en-US"/>
+              <a:t> eff_map 数组中对byte进行了 0/1 标记，如果一个整数的所有 bytes 都被判为无效，那么就认为整数无效，跳过此数的变异。</a:t>
+            </a:r>
+            <a:endParaRPr lang="zh-CN" altLang="en-US"/>
+          </a:p>
+        </p:txBody>
+      </p:sp>
+      <p:pic>
+        <p:nvPicPr>
+          <p:cNvPr id="6" name="图片 5"/>
+          <p:cNvPicPr>
+            <a:picLocks noChangeAspect="1"/>
+          </p:cNvPicPr>
+          <p:nvPr/>
+        </p:nvPicPr>
+        <p:blipFill>
+          <a:blip r:embed="rId1"/>
+          <a:stretch>
+            <a:fillRect/>
+          </a:stretch>
+        </p:blipFill>
+        <p:spPr>
+          <a:xfrm>
+            <a:off x="669925" y="3453765"/>
+            <a:ext cx="7620000" cy="1333500"/>
+          </a:xfrm>
+          <a:prstGeom prst="rect">
+            <a:avLst/>
+          </a:prstGeom>
+        </p:spPr>
+      </p:pic>
+    </p:spTree>
+    <p:custDataLst>
+      <p:tags r:id="rId2"/>
+    </p:custDataLst>
+  </p:cSld>
+  <p:clrMapOvr>
+    <a:masterClrMapping/>
+  </p:clrMapOvr>
+</p:sld>
+</file>
+
+<file path=ppt/slides/slide8.xml><?xml version="1.0" encoding="utf-8"?>
+<p:sld xmlns:a="http://schemas.openxmlformats.org/drawingml/2006/main" xmlns:r="http://schemas.openxmlformats.org/officeDocument/2006/relationships" xmlns:p="http://schemas.openxmlformats.org/presentationml/2006/main">
+  <p:cSld>
+    <p:spTree>
+      <p:nvGrpSpPr>
+        <p:cNvPr id="1" name=""/>
+        <p:cNvGrpSpPr/>
+        <p:nvPr/>
+      </p:nvGrpSpPr>
+      <p:grpSpPr/>
+      <p:sp>
+        <p:nvSpPr>
+          <p:cNvPr id="2" name="标题 1"/>
+          <p:cNvSpPr>
+            <a:spLocks noGrp="1"/>
+          </p:cNvSpPr>
+          <p:nvPr>
+            <p:ph type="title"/>
+          </p:nvPr>
+        </p:nvSpPr>
+        <p:spPr/>
+        <p:txBody>
+          <a:bodyPr>
+            <a:normAutofit fontScale="90000"/>
+          </a:bodyPr>
+          <a:p>
+            <a:r>
+              <a:rPr lang="en-US" altLang="zh-CN"/>
+              <a:t>3</a:t>
+            </a:r>
+            <a:r>
+              <a:t>、interest —— 内容替换</a:t>
+            </a:r>
+          </a:p>
+        </p:txBody>
+      </p:sp>
+      <p:sp>
+        <p:nvSpPr>
+          <p:cNvPr id="3" name="内容占位符 2"/>
+          <p:cNvSpPr>
+            <a:spLocks noGrp="1"/>
+          </p:cNvSpPr>
+          <p:nvPr>
+            <p:ph idx="1"/>
+          </p:nvPr>
+        </p:nvSpPr>
+        <p:spPr>
+          <a:xfrm>
+            <a:off x="669925" y="952500"/>
+            <a:ext cx="10852150" cy="1555750"/>
+          </a:xfrm>
+        </p:spPr>
+        <p:txBody>
+          <a:bodyPr/>
+          <a:p>
+            <a:r>
+              <a:rPr lang="zh-CN" altLang="en-US"/>
+              <a:t>interest 8/8，每次8bit进行替换，8bit步长从头开始，即对每个byte进行替换；</a:t>
+            </a:r>
+            <a:endParaRPr lang="zh-CN" altLang="en-US"/>
+          </a:p>
+          <a:p>
+            <a:r>
+              <a:rPr lang="zh-CN" altLang="en-US"/>
+              <a:t>interest 16/8，每次16bit进行</a:t>
+            </a:r>
+            <a:r>
+              <a:rPr>
+                <a:sym typeface="+mn-ea"/>
+              </a:rPr>
+              <a:t>替换</a:t>
+            </a:r>
+            <a:r>
+              <a:rPr lang="zh-CN" altLang="en-US"/>
+              <a:t>，8bit步长从头开始，即对每个word进行替换；</a:t>
+            </a:r>
+            <a:endParaRPr lang="zh-CN" altLang="en-US"/>
+          </a:p>
+          <a:p>
+            <a:r>
+              <a:rPr lang="zh-CN" altLang="en-US"/>
+              <a:t>interest 32/8，每次32bit进行</a:t>
+            </a:r>
+            <a:r>
+              <a:rPr>
+                <a:sym typeface="+mn-ea"/>
+              </a:rPr>
+              <a:t>替换</a:t>
+            </a:r>
+            <a:r>
+              <a:rPr lang="zh-CN" altLang="en-US"/>
+              <a:t>，8bit步长从头开始，即对每个dword进行替换；</a:t>
+            </a:r>
+            <a:endParaRPr lang="zh-CN" altLang="en-US"/>
+          </a:p>
+        </p:txBody>
+      </p:sp>
+      <p:pic>
+        <p:nvPicPr>
+          <p:cNvPr id="5" name="图片 4"/>
+          <p:cNvPicPr>
+            <a:picLocks noChangeAspect="1"/>
+          </p:cNvPicPr>
+          <p:nvPr/>
+        </p:nvPicPr>
+        <p:blipFill>
+          <a:blip r:embed="rId1"/>
+          <a:stretch>
+            <a:fillRect/>
+          </a:stretch>
+        </p:blipFill>
+        <p:spPr>
+          <a:xfrm>
+            <a:off x="669925" y="2629535"/>
+            <a:ext cx="10877550" cy="2762250"/>
+          </a:xfrm>
+          <a:prstGeom prst="rect">
+            <a:avLst/>
+          </a:prstGeom>
+        </p:spPr>
+      </p:pic>
+      <p:sp>
+        <p:nvSpPr>
+          <p:cNvPr id="6" name="文本框 5"/>
+          <p:cNvSpPr txBox="1"/>
+          <p:nvPr/>
+        </p:nvSpPr>
+        <p:spPr>
+          <a:xfrm>
+            <a:off x="669925" y="5509260"/>
+            <a:ext cx="10877550" cy="645160"/>
+          </a:xfrm>
+          <a:prstGeom prst="rect">
+            <a:avLst/>
+          </a:prstGeom>
+          <a:noFill/>
+        </p:spPr>
+        <p:txBody>
+          <a:bodyPr wrap="square" rtlCol="0" anchor="t">
+            <a:spAutoFit/>
+          </a:bodyPr>
+          <a:p>
+            <a:r>
+              <a:rPr lang="zh-CN" altLang="en-US"/>
+              <a:t>与前面的思想相同的，本着“避免浪费，减少消耗”的原则，eff_map数组中已经判定无效的就此轮跳过；如果 interesting value 达到的效果跟 bitflip 或者 arithmetic 效果相同，也被认为是重复消耗，跳过。</a:t>
+            </a:r>
+            <a:endParaRPr lang="zh-CN" altLang="en-US"/>
+          </a:p>
+        </p:txBody>
+      </p:sp>
+    </p:spTree>
+    <p:custDataLst>
+      <p:tags r:id="rId2"/>
+    </p:custDataLst>
+  </p:cSld>
+  <p:clrMapOvr>
+    <a:masterClrMapping/>
+  </p:clrMapOvr>
+</p:sld>
+</file>
+
+<file path=ppt/slides/slide9.xml><?xml version="1.0" encoding="utf-8"?>
+<p:sld xmlns:a="http://schemas.openxmlformats.org/drawingml/2006/main" xmlns:r="http://schemas.openxmlformats.org/officeDocument/2006/relationships" xmlns:p="http://schemas.openxmlformats.org/presentationml/2006/main">
+  <p:cSld>
+    <p:spTree>
+      <p:nvGrpSpPr>
+        <p:cNvPr id="1" name=""/>
+        <p:cNvGrpSpPr/>
+        <p:nvPr/>
+      </p:nvGrpSpPr>
+      <p:grpSpPr/>
+      <p:sp>
+        <p:nvSpPr>
+          <p:cNvPr id="2" name="标题 1"/>
+          <p:cNvSpPr>
+            <a:spLocks noGrp="1"/>
+          </p:cNvSpPr>
+          <p:nvPr>
+            <p:ph type="title"/>
+          </p:nvPr>
+        </p:nvSpPr>
+        <p:spPr/>
+        <p:txBody>
+          <a:bodyPr>
+            <a:normAutofit fontScale="90000"/>
+          </a:bodyPr>
+          <a:p>
+            <a:r>
+              <a:rPr lang="en-US" altLang="zh-CN"/>
+              <a:t>4</a:t>
+            </a:r>
+            <a:r>
+              <a:t>、distionary —— 字典阶段</a:t>
+            </a:r>
+          </a:p>
+        </p:txBody>
+      </p:sp>
+      <p:sp>
+        <p:nvSpPr>
+          <p:cNvPr id="3" name="内容占位符 2"/>
+          <p:cNvSpPr>
+            <a:spLocks noGrp="1"/>
+          </p:cNvSpPr>
+          <p:nvPr>
+            <p:ph idx="1"/>
+          </p:nvPr>
+        </p:nvSpPr>
+        <p:spPr>
+          <a:xfrm>
+            <a:off x="669925" y="2297430"/>
+            <a:ext cx="10852150" cy="1796415"/>
+          </a:xfrm>
+        </p:spPr>
+        <p:txBody>
+          <a:bodyPr/>
+          <a:p>
+            <a:r>
+              <a:rPr lang="zh-CN" altLang="en-US"/>
+              <a:t>user extras (over)，从头开始，将用户提供的tokens依次替换到原文件中</a:t>
+            </a:r>
+            <a:endParaRPr lang="zh-CN" altLang="en-US"/>
+          </a:p>
+          <a:p>
+            <a:r>
+              <a:rPr lang="zh-CN" altLang="en-US"/>
+              <a:t>user extras (insert)，从头开始，将用户提供的tokens依次插入到原文件中</a:t>
+            </a:r>
+            <a:endParaRPr lang="zh-CN" altLang="en-US"/>
+          </a:p>
+          <a:p>
+            <a:r>
+              <a:rPr lang="zh-CN" altLang="en-US"/>
+              <a:t>auto extras (over)，从头开始，将自动检测的tokens依次替换到原文件中</a:t>
+            </a:r>
+            <a:endParaRPr lang="zh-CN" altLang="en-US"/>
+          </a:p>
+        </p:txBody>
+      </p:sp>
+      <p:sp>
+        <p:nvSpPr>
+          <p:cNvPr id="4" name="文本框 3"/>
+          <p:cNvSpPr txBox="1"/>
+          <p:nvPr/>
+        </p:nvSpPr>
+        <p:spPr>
+          <a:xfrm>
+            <a:off x="669925" y="4093845"/>
+            <a:ext cx="10852150" cy="645160"/>
+          </a:xfrm>
+          <a:prstGeom prst="rect">
+            <a:avLst/>
+          </a:prstGeom>
+          <a:noFill/>
+        </p:spPr>
+        <p:txBody>
+          <a:bodyPr wrap="square" rtlCol="0" anchor="t">
+            <a:spAutoFit/>
+          </a:bodyPr>
+          <a:p>
+            <a:r>
+              <a:rPr lang="zh-CN" altLang="en-US"/>
+              <a:t>其中 “用户提供的tokens” 是一开始通过 -x 选项指定的，如果没有则跳过对应的子阶段；“自动检测的tokens” 是第一个阶段 bitflip 生成的。</a:t>
+            </a:r>
+            <a:endParaRPr lang="zh-CN" altLang="en-US"/>
+          </a:p>
+        </p:txBody>
+      </p:sp>
+      <p:sp>
+        <p:nvSpPr>
+          <p:cNvPr id="5" name="文本框 4"/>
+          <p:cNvSpPr txBox="1"/>
+          <p:nvPr/>
+        </p:nvSpPr>
+        <p:spPr>
+          <a:xfrm>
+            <a:off x="669925" y="1058545"/>
+            <a:ext cx="10852150" cy="922020"/>
+          </a:xfrm>
+          <a:prstGeom prst="rect">
+            <a:avLst/>
+          </a:prstGeom>
+          <a:noFill/>
+        </p:spPr>
+        <p:txBody>
+          <a:bodyPr wrap="square" rtlCol="0" anchor="t">
+            <a:spAutoFit/>
+          </a:bodyPr>
+          <a:p>
+            <a:r>
+              <a:rPr lang="zh-CN" altLang="en-US"/>
+              <a:t>会把自动生成或者用户提供的token替换、插入到原文件中。</a:t>
+            </a:r>
+            <a:endParaRPr lang="zh-CN" altLang="en-US"/>
+          </a:p>
+          <a:p>
+            <a:endParaRPr lang="zh-CN" altLang="en-US"/>
+          </a:p>
+          <a:p>
+            <a:r>
+              <a:rPr lang="zh-CN" altLang="en-US"/>
+              <a:t>此阶段已经是确定性变异 deterministic fuzzing 的结尾：</a:t>
+            </a:r>
+            <a:endParaRPr lang="zh-CN" altLang="en-US"/>
+          </a:p>
+        </p:txBody>
+      </p:sp>
+    </p:spTree>
+    <p:custDataLst>
+      <p:tags r:id="rId1"/>
+    </p:custDataLst>
+  </p:cSld>
+  <p:clrMapOvr>
+    <a:masterClrMapping/>
+  </p:clrMapOvr>
+</p:sld>
+</file>
+
 <file path=ppt/tags/tag1.xml><?xml version="1.0" encoding="utf-8"?>
 <p:tagLst xmlns:p="http://schemas.openxmlformats.org/presentationml/2006/main">
   <p:tag name="KSO_WM_SLIDE_BACKGROUND_MASK_FLAG" val="1"/>
@@ -8768,6 +10732,78 @@
 </p:tagLst>
 </file>
 
+<file path=ppt/tags/tag141.xml><?xml version="1.0" encoding="utf-8"?>
+<p:tagLst xmlns:p="http://schemas.openxmlformats.org/presentationml/2006/main">
+  <p:tag name="KSO_WM_BEAUTIFY_FLAG" val="#wm#"/>
+  <p:tag name="KSO_WM_TEMPLATE_CATEGORY" val="custom"/>
+  <p:tag name="KSO_WM_TEMPLATE_INDEX" val="20204591"/>
+</p:tagLst>
+</file>
+
+<file path=ppt/tags/tag142.xml><?xml version="1.0" encoding="utf-8"?>
+<p:tagLst xmlns:p="http://schemas.openxmlformats.org/presentationml/2006/main">
+  <p:tag name="KSO_WM_BEAUTIFY_FLAG" val="#wm#"/>
+  <p:tag name="KSO_WM_TEMPLATE_CATEGORY" val="custom"/>
+  <p:tag name="KSO_WM_TEMPLATE_INDEX" val="20204591"/>
+</p:tagLst>
+</file>
+
+<file path=ppt/tags/tag143.xml><?xml version="1.0" encoding="utf-8"?>
+<p:tagLst xmlns:p="http://schemas.openxmlformats.org/presentationml/2006/main">
+  <p:tag name="KSO_WM_BEAUTIFY_FLAG" val="#wm#"/>
+  <p:tag name="KSO_WM_TEMPLATE_CATEGORY" val="custom"/>
+  <p:tag name="KSO_WM_TEMPLATE_INDEX" val="20204591"/>
+</p:tagLst>
+</file>
+
+<file path=ppt/tags/tag144.xml><?xml version="1.0" encoding="utf-8"?>
+<p:tagLst xmlns:p="http://schemas.openxmlformats.org/presentationml/2006/main">
+  <p:tag name="KSO_WM_BEAUTIFY_FLAG" val="#wm#"/>
+  <p:tag name="KSO_WM_TEMPLATE_CATEGORY" val="custom"/>
+  <p:tag name="KSO_WM_TEMPLATE_INDEX" val="20204591"/>
+</p:tagLst>
+</file>
+
+<file path=ppt/tags/tag145.xml><?xml version="1.0" encoding="utf-8"?>
+<p:tagLst xmlns:p="http://schemas.openxmlformats.org/presentationml/2006/main">
+  <p:tag name="KSO_WM_BEAUTIFY_FLAG" val="#wm#"/>
+  <p:tag name="KSO_WM_TEMPLATE_CATEGORY" val="custom"/>
+  <p:tag name="KSO_WM_TEMPLATE_INDEX" val="20204591"/>
+</p:tagLst>
+</file>
+
+<file path=ppt/tags/tag146.xml><?xml version="1.0" encoding="utf-8"?>
+<p:tagLst xmlns:p="http://schemas.openxmlformats.org/presentationml/2006/main">
+  <p:tag name="KSO_WM_BEAUTIFY_FLAG" val="#wm#"/>
+  <p:tag name="KSO_WM_TEMPLATE_CATEGORY" val="custom"/>
+  <p:tag name="KSO_WM_TEMPLATE_INDEX" val="20204591"/>
+</p:tagLst>
+</file>
+
+<file path=ppt/tags/tag147.xml><?xml version="1.0" encoding="utf-8"?>
+<p:tagLst xmlns:p="http://schemas.openxmlformats.org/presentationml/2006/main">
+  <p:tag name="KSO_WM_BEAUTIFY_FLAG" val="#wm#"/>
+  <p:tag name="KSO_WM_TEMPLATE_CATEGORY" val="custom"/>
+  <p:tag name="KSO_WM_TEMPLATE_INDEX" val="20204591"/>
+</p:tagLst>
+</file>
+
+<file path=ppt/tags/tag148.xml><?xml version="1.0" encoding="utf-8"?>
+<p:tagLst xmlns:p="http://schemas.openxmlformats.org/presentationml/2006/main">
+  <p:tag name="KSO_WM_BEAUTIFY_FLAG" val="#wm#"/>
+  <p:tag name="KSO_WM_TEMPLATE_CATEGORY" val="custom"/>
+  <p:tag name="KSO_WM_TEMPLATE_INDEX" val="20204591"/>
+</p:tagLst>
+</file>
+
+<file path=ppt/tags/tag149.xml><?xml version="1.0" encoding="utf-8"?>
+<p:tagLst xmlns:p="http://schemas.openxmlformats.org/presentationml/2006/main">
+  <p:tag name="KSO_WM_BEAUTIFY_FLAG" val="#wm#"/>
+  <p:tag name="KSO_WM_TEMPLATE_CATEGORY" val="custom"/>
+  <p:tag name="KSO_WM_TEMPLATE_INDEX" val="20204591"/>
+</p:tagLst>
+</file>
+
 <file path=ppt/tags/tag15.xml><?xml version="1.0" encoding="utf-8"?>
 <p:tagLst xmlns:p="http://schemas.openxmlformats.org/presentationml/2006/main">
   <p:tag name="KSO_WM_UNIT_HIGHLIGHT" val="0"/>
@@ -8778,6 +10814,38 @@
   <p:tag name="KSO_WM_UNIT_LAYERLEVEL" val="1"/>
   <p:tag name="KSO_WM_TAG_VERSION" val="1.0"/>
   <p:tag name="KSO_WM_BEAUTIFY_FLAG" val="#wm#"/>
+</p:tagLst>
+</file>
+
+<file path=ppt/tags/tag150.xml><?xml version="1.0" encoding="utf-8"?>
+<p:tagLst xmlns:p="http://schemas.openxmlformats.org/presentationml/2006/main">
+  <p:tag name="KSO_WM_BEAUTIFY_FLAG" val="#wm#"/>
+  <p:tag name="KSO_WM_TEMPLATE_CATEGORY" val="custom"/>
+  <p:tag name="KSO_WM_TEMPLATE_INDEX" val="20204591"/>
+</p:tagLst>
+</file>
+
+<file path=ppt/tags/tag151.xml><?xml version="1.0" encoding="utf-8"?>
+<p:tagLst xmlns:p="http://schemas.openxmlformats.org/presentationml/2006/main">
+  <p:tag name="KSO_WM_BEAUTIFY_FLAG" val="#wm#"/>
+  <p:tag name="KSO_WM_TEMPLATE_CATEGORY" val="custom"/>
+  <p:tag name="KSO_WM_TEMPLATE_INDEX" val="20204591"/>
+</p:tagLst>
+</file>
+
+<file path=ppt/tags/tag152.xml><?xml version="1.0" encoding="utf-8"?>
+<p:tagLst xmlns:p="http://schemas.openxmlformats.org/presentationml/2006/main">
+  <p:tag name="KSO_WM_BEAUTIFY_FLAG" val="#wm#"/>
+  <p:tag name="KSO_WM_TEMPLATE_CATEGORY" val="custom"/>
+  <p:tag name="KSO_WM_TEMPLATE_INDEX" val="20204591"/>
+</p:tagLst>
+</file>
+
+<file path=ppt/tags/tag153.xml><?xml version="1.0" encoding="utf-8"?>
+<p:tagLst xmlns:p="http://schemas.openxmlformats.org/presentationml/2006/main">
+  <p:tag name="KSO_WM_BEAUTIFY_FLAG" val="#wm#"/>
+  <p:tag name="KSO_WM_TEMPLATE_CATEGORY" val="custom"/>
+  <p:tag name="KSO_WM_TEMPLATE_INDEX" val="20204591"/>
 </p:tagLst>
 </file>
 
